--- a/Präsentation/Pyduino_Plakat.pptx
+++ b/Präsentation/Pyduino_Plakat.pptx
@@ -197,7 +197,7 @@
           <a:p>
             <a:fld id="{83CCACAF-696C-450B-9E94-CF3D7B847BCD}" type="datetimeFigureOut">
               <a:rPr lang="de-DE" smtClean="0"/>
-              <a:t>23.02.2023</a:t>
+              <a:t>20.03.2023</a:t>
             </a:fld>
             <a:endParaRPr lang="de-DE"/>
           </a:p>
@@ -681,7 +681,7 @@
           <a:p>
             <a:fld id="{C764DE79-268F-4C1A-8933-263129D2AF90}" type="datetimeFigureOut">
               <a:rPr lang="en-US" dirty="0"/>
-              <a:t>2/23/2023</a:t>
+              <a:t>3/20/2023</a:t>
             </a:fld>
             <a:endParaRPr lang="en-US" dirty="0"/>
           </a:p>
@@ -849,7 +849,7 @@
           <a:p>
             <a:fld id="{C764DE79-268F-4C1A-8933-263129D2AF90}" type="datetimeFigureOut">
               <a:rPr lang="en-US" dirty="0"/>
-              <a:t>2/23/2023</a:t>
+              <a:t>3/20/2023</a:t>
             </a:fld>
             <a:endParaRPr lang="en-US" dirty="0"/>
           </a:p>
@@ -1027,7 +1027,7 @@
           <a:p>
             <a:fld id="{C764DE79-268F-4C1A-8933-263129D2AF90}" type="datetimeFigureOut">
               <a:rPr lang="en-US" dirty="0"/>
-              <a:t>2/23/2023</a:t>
+              <a:t>3/20/2023</a:t>
             </a:fld>
             <a:endParaRPr lang="en-US" dirty="0"/>
           </a:p>
@@ -1195,7 +1195,7 @@
           <a:p>
             <a:fld id="{C764DE79-268F-4C1A-8933-263129D2AF90}" type="datetimeFigureOut">
               <a:rPr lang="en-US" dirty="0"/>
-              <a:t>2/23/2023</a:t>
+              <a:t>3/20/2023</a:t>
             </a:fld>
             <a:endParaRPr lang="en-US" dirty="0"/>
           </a:p>
@@ -1438,7 +1438,7 @@
           <a:p>
             <a:fld id="{C764DE79-268F-4C1A-8933-263129D2AF90}" type="datetimeFigureOut">
               <a:rPr lang="en-US" dirty="0"/>
-              <a:t>2/23/2023</a:t>
+              <a:t>3/20/2023</a:t>
             </a:fld>
             <a:endParaRPr lang="en-US" dirty="0"/>
           </a:p>
@@ -1667,7 +1667,7 @@
           <a:p>
             <a:fld id="{C764DE79-268F-4C1A-8933-263129D2AF90}" type="datetimeFigureOut">
               <a:rPr lang="en-US" dirty="0"/>
-              <a:t>2/23/2023</a:t>
+              <a:t>3/20/2023</a:t>
             </a:fld>
             <a:endParaRPr lang="en-US" dirty="0"/>
           </a:p>
@@ -2031,7 +2031,7 @@
           <a:p>
             <a:fld id="{C764DE79-268F-4C1A-8933-263129D2AF90}" type="datetimeFigureOut">
               <a:rPr lang="en-US" dirty="0"/>
-              <a:t>2/23/2023</a:t>
+              <a:t>3/20/2023</a:t>
             </a:fld>
             <a:endParaRPr lang="en-US" dirty="0"/>
           </a:p>
@@ -2148,7 +2148,7 @@
           <a:p>
             <a:fld id="{C764DE79-268F-4C1A-8933-263129D2AF90}" type="datetimeFigureOut">
               <a:rPr lang="en-US" dirty="0"/>
-              <a:t>2/23/2023</a:t>
+              <a:t>3/20/2023</a:t>
             </a:fld>
             <a:endParaRPr lang="en-US" dirty="0"/>
           </a:p>
@@ -2243,7 +2243,7 @@
           <a:p>
             <a:fld id="{C764DE79-268F-4C1A-8933-263129D2AF90}" type="datetimeFigureOut">
               <a:rPr lang="en-US" dirty="0"/>
-              <a:t>2/23/2023</a:t>
+              <a:t>3/20/2023</a:t>
             </a:fld>
             <a:endParaRPr lang="en-US" dirty="0"/>
           </a:p>
@@ -2518,7 +2518,7 @@
           <a:p>
             <a:fld id="{C764DE79-268F-4C1A-8933-263129D2AF90}" type="datetimeFigureOut">
               <a:rPr lang="en-US" dirty="0"/>
-              <a:t>2/23/2023</a:t>
+              <a:t>3/20/2023</a:t>
             </a:fld>
             <a:endParaRPr lang="en-US" dirty="0"/>
           </a:p>
@@ -2770,7 +2770,7 @@
           <a:p>
             <a:fld id="{C764DE79-268F-4C1A-8933-263129D2AF90}" type="datetimeFigureOut">
               <a:rPr lang="en-US" dirty="0"/>
-              <a:t>2/23/2023</a:t>
+              <a:t>3/20/2023</a:t>
             </a:fld>
             <a:endParaRPr lang="en-US" dirty="0"/>
           </a:p>
@@ -2981,7 +2981,7 @@
           <a:p>
             <a:fld id="{C764DE79-268F-4C1A-8933-263129D2AF90}" type="datetimeFigureOut">
               <a:rPr lang="en-US" dirty="0"/>
-              <a:t>2/23/2023</a:t>
+              <a:t>3/20/2023</a:t>
             </a:fld>
             <a:endParaRPr lang="en-US" dirty="0"/>
           </a:p>
@@ -5585,21 +5585,6 @@
 </file>
 
 <file path=customXml/item1.xml><?xml version="1.0" encoding="utf-8"?>
-<?mso-contentType ?>
-<FormTemplates xmlns="http://schemas.microsoft.com/sharepoint/v3/contenttype/forms">
-  <Display>DocumentLibraryForm</Display>
-  <Edit>DocumentLibraryForm</Edit>
-  <New>DocumentLibraryForm</New>
-</FormTemplates>
-</file>
-
-<file path=customXml/item2.xml><?xml version="1.0" encoding="utf-8"?>
-<p:properties xmlns:p="http://schemas.microsoft.com/office/2006/metadata/properties" xmlns:xsi="http://www.w3.org/2001/XMLSchema-instance" xmlns:pc="http://schemas.microsoft.com/office/infopath/2007/PartnerControls">
-  <documentManagement/>
-</p:properties>
-</file>
-
-<file path=customXml/item3.xml><?xml version="1.0" encoding="utf-8"?>
 <ct:contentTypeSchema xmlns:ct="http://schemas.microsoft.com/office/2006/metadata/contentType" xmlns:ma="http://schemas.microsoft.com/office/2006/metadata/properties/metaAttributes" ct:_="" ma:_="" ma:contentTypeName="Dokument" ma:contentTypeID="0x01010042A13806E615AE4C8FDD97C2FF3FCA9F" ma:contentTypeVersion="2" ma:contentTypeDescription="Ein neues Dokument erstellen." ma:contentTypeScope="" ma:versionID="d6c402284b7c01346d07bce8fceac284">
   <xsd:schema xmlns:xsd="http://www.w3.org/2001/XMLSchema" xmlns:xs="http://www.w3.org/2001/XMLSchema" xmlns:p="http://schemas.microsoft.com/office/2006/metadata/properties" xmlns:ns3="d5861e3d-a46e-413c-8727-bdcd0a45440e" targetNamespace="http://schemas.microsoft.com/office/2006/metadata/properties" ma:root="true" ma:fieldsID="13480f97ec9c649b686fbe6c6751181b" ns3:_="">
     <xsd:import namespace="d5861e3d-a46e-413c-8727-bdcd0a45440e"/>
@@ -5731,31 +5716,22 @@
 </ct:contentTypeSchema>
 </file>
 
-<file path=customXml/itemProps1.xml><?xml version="1.0" encoding="utf-8"?>
-<ds:datastoreItem xmlns:ds="http://schemas.openxmlformats.org/officeDocument/2006/customXml" ds:itemID="{79C9F126-9A22-4E80-869E-8FE3436BF8F0}">
-  <ds:schemaRefs>
-    <ds:schemaRef ds:uri="http://schemas.microsoft.com/sharepoint/v3/contenttype/forms"/>
-  </ds:schemaRefs>
-</ds:datastoreItem>
+<file path=customXml/item2.xml><?xml version="1.0" encoding="utf-8"?>
+<p:properties xmlns:p="http://schemas.microsoft.com/office/2006/metadata/properties" xmlns:xsi="http://www.w3.org/2001/XMLSchema-instance" xmlns:pc="http://schemas.microsoft.com/office/infopath/2007/PartnerControls">
+  <documentManagement/>
+</p:properties>
 </file>
 
-<file path=customXml/itemProps2.xml><?xml version="1.0" encoding="utf-8"?>
-<ds:datastoreItem xmlns:ds="http://schemas.openxmlformats.org/officeDocument/2006/customXml" ds:itemID="{D3E5AA31-9AFD-454B-8F9E-4C03134C694D}">
-  <ds:schemaRefs>
-    <ds:schemaRef ds:uri="http://purl.org/dc/terms/"/>
-    <ds:schemaRef ds:uri="http://schemas.microsoft.com/office/2006/documentManagement/types"/>
-    <ds:schemaRef ds:uri="http://purl.org/dc/dcmitype/"/>
-    <ds:schemaRef ds:uri="http://schemas.openxmlformats.org/package/2006/metadata/core-properties"/>
-    <ds:schemaRef ds:uri="http://schemas.microsoft.com/office/infopath/2007/PartnerControls"/>
-    <ds:schemaRef ds:uri="http://purl.org/dc/elements/1.1/"/>
-    <ds:schemaRef ds:uri="http://schemas.microsoft.com/office/2006/metadata/properties"/>
-    <ds:schemaRef ds:uri="http://www.w3.org/XML/1998/namespace"/>
-    <ds:schemaRef ds:uri="d5861e3d-a46e-413c-8727-bdcd0a45440e"/>
-  </ds:schemaRefs>
-</ds:datastoreItem>
+<file path=customXml/item3.xml><?xml version="1.0" encoding="utf-8"?>
+<?mso-contentType ?>
+<FormTemplates xmlns="http://schemas.microsoft.com/sharepoint/v3/contenttype/forms">
+  <Display>DocumentLibraryForm</Display>
+  <Edit>DocumentLibraryForm</Edit>
+  <New>DocumentLibraryForm</New>
+</FormTemplates>
 </file>
 
-<file path=customXml/itemProps3.xml><?xml version="1.0" encoding="utf-8"?>
+<file path=customXml/itemProps1.xml><?xml version="1.0" encoding="utf-8"?>
 <ds:datastoreItem xmlns:ds="http://schemas.openxmlformats.org/officeDocument/2006/customXml" ds:itemID="{ADD5BB17-73AC-4C0B-890E-22B571D821E4}">
   <ds:schemaRefs>
     <ds:schemaRef ds:uri="http://schemas.microsoft.com/office/2006/metadata/contentType"/>
@@ -5771,4 +5747,28 @@
     <ds:schemaRef ds:uri="http://schemas.microsoft.com/internal/obd"/>
   </ds:schemaRefs>
 </ds:datastoreItem>
+</file>
+
+<file path=customXml/itemProps2.xml><?xml version="1.0" encoding="utf-8"?>
+<ds:datastoreItem xmlns:ds="http://schemas.openxmlformats.org/officeDocument/2006/customXml" ds:itemID="{D3E5AA31-9AFD-454B-8F9E-4C03134C694D}">
+  <ds:schemaRefs>
+    <ds:schemaRef ds:uri="http://schemas.openxmlformats.org/package/2006/metadata/core-properties"/>
+    <ds:schemaRef ds:uri="http://schemas.microsoft.com/office/2006/documentManagement/types"/>
+    <ds:schemaRef ds:uri="http://schemas.microsoft.com/office/infopath/2007/PartnerControls"/>
+    <ds:schemaRef ds:uri="http://purl.org/dc/elements/1.1/"/>
+    <ds:schemaRef ds:uri="http://www.w3.org/XML/1998/namespace"/>
+    <ds:schemaRef ds:uri="d5861e3d-a46e-413c-8727-bdcd0a45440e"/>
+    <ds:schemaRef ds:uri="http://schemas.microsoft.com/office/2006/metadata/properties"/>
+    <ds:schemaRef ds:uri="http://purl.org/dc/dcmitype/"/>
+    <ds:schemaRef ds:uri="http://purl.org/dc/terms/"/>
+  </ds:schemaRefs>
+</ds:datastoreItem>
+</file>
+
+<file path=customXml/itemProps3.xml><?xml version="1.0" encoding="utf-8"?>
+<ds:datastoreItem xmlns:ds="http://schemas.openxmlformats.org/officeDocument/2006/customXml" ds:itemID="{79C9F126-9A22-4E80-869E-8FE3436BF8F0}">
+  <ds:schemaRefs>
+    <ds:schemaRef ds:uri="http://schemas.microsoft.com/sharepoint/v3/contenttype/forms"/>
+  </ds:schemaRefs>
+</ds:datastoreItem>
 </file>